--- a/srs-10-ppt.pptx
+++ b/srs-10-ppt.pptx
@@ -5,22 +5,24 @@
     <p:sldMasterId id="2147483660" r:id="rId1"/>
   </p:sldMasterIdLst>
   <p:notesMasterIdLst>
-    <p:notesMasterId r:id="rId15"/>
+    <p:notesMasterId r:id="rId17"/>
   </p:notesMasterIdLst>
   <p:sldIdLst>
     <p:sldId id="256" r:id="rId2"/>
     <p:sldId id="257" r:id="rId3"/>
     <p:sldId id="258" r:id="rId4"/>
     <p:sldId id="259" r:id="rId5"/>
-    <p:sldId id="263" r:id="rId6"/>
-    <p:sldId id="264" r:id="rId7"/>
-    <p:sldId id="260" r:id="rId8"/>
-    <p:sldId id="261" r:id="rId9"/>
-    <p:sldId id="262" r:id="rId10"/>
-    <p:sldId id="266" r:id="rId11"/>
-    <p:sldId id="267" r:id="rId12"/>
-    <p:sldId id="268" r:id="rId13"/>
-    <p:sldId id="265" r:id="rId14"/>
+    <p:sldId id="269" r:id="rId6"/>
+    <p:sldId id="263" r:id="rId7"/>
+    <p:sldId id="264" r:id="rId8"/>
+    <p:sldId id="270" r:id="rId9"/>
+    <p:sldId id="272" r:id="rId10"/>
+    <p:sldId id="273" r:id="rId11"/>
+    <p:sldId id="274" r:id="rId12"/>
+    <p:sldId id="275" r:id="rId13"/>
+    <p:sldId id="276" r:id="rId14"/>
+    <p:sldId id="277" r:id="rId15"/>
+    <p:sldId id="265" r:id="rId16"/>
   </p:sldIdLst>
   <p:sldSz cx="12192000" cy="6858000"/>
   <p:notesSz cx="6858000" cy="9144000"/>
@@ -209,7 +211,7 @@
           <a:p>
             <a:fld id="{95AB3B4B-2636-4B41-9164-81737540C262}" type="datetimeFigureOut">
               <a:rPr lang="en-US" smtClean="0"/>
-              <a:t>21-Feb-18</a:t>
+              <a:t>24-Apr-18</a:t>
             </a:fld>
             <a:endParaRPr lang="en-US"/>
           </a:p>
@@ -789,7 +791,7 @@
           <a:p>
             <a:fld id="{FFB95398-ADFB-436B-A39F-66DA4A0BB746}" type="datetimeFigureOut">
               <a:rPr lang="en-US" smtClean="0"/>
-              <a:t>21-Feb-18</a:t>
+              <a:t>24-Apr-18</a:t>
             </a:fld>
             <a:endParaRPr lang="en-US"/>
           </a:p>
@@ -1123,7 +1125,7 @@
           <a:p>
             <a:fld id="{FFB95398-ADFB-436B-A39F-66DA4A0BB746}" type="datetimeFigureOut">
               <a:rPr lang="en-US" smtClean="0"/>
-              <a:t>21-Feb-18</a:t>
+              <a:t>24-Apr-18</a:t>
             </a:fld>
             <a:endParaRPr lang="en-US"/>
           </a:p>
@@ -1401,7 +1403,7 @@
           <a:p>
             <a:fld id="{FFB95398-ADFB-436B-A39F-66DA4A0BB746}" type="datetimeFigureOut">
               <a:rPr lang="en-US" smtClean="0"/>
-              <a:t>21-Feb-18</a:t>
+              <a:t>24-Apr-18</a:t>
             </a:fld>
             <a:endParaRPr lang="en-US"/>
           </a:p>
@@ -1969,7 +1971,7 @@
           <a:p>
             <a:fld id="{FFB95398-ADFB-436B-A39F-66DA4A0BB746}" type="datetimeFigureOut">
               <a:rPr lang="en-US" smtClean="0"/>
-              <a:t>21-Feb-18</a:t>
+              <a:t>24-Apr-18</a:t>
             </a:fld>
             <a:endParaRPr lang="en-US"/>
           </a:p>
@@ -2247,7 +2249,7 @@
           <a:p>
             <a:fld id="{FFB95398-ADFB-436B-A39F-66DA4A0BB746}" type="datetimeFigureOut">
               <a:rPr lang="en-US" smtClean="0"/>
-              <a:t>21-Feb-18</a:t>
+              <a:t>24-Apr-18</a:t>
             </a:fld>
             <a:endParaRPr lang="en-US"/>
           </a:p>
@@ -2809,7 +2811,7 @@
           <a:p>
             <a:fld id="{FFB95398-ADFB-436B-A39F-66DA4A0BB746}" type="datetimeFigureOut">
               <a:rPr lang="en-US" smtClean="0"/>
-              <a:t>21-Feb-18</a:t>
+              <a:t>24-Apr-18</a:t>
             </a:fld>
             <a:endParaRPr lang="en-US"/>
           </a:p>
@@ -3136,7 +3138,7 @@
           <a:p>
             <a:fld id="{FFB95398-ADFB-436B-A39F-66DA4A0BB746}" type="datetimeFigureOut">
               <a:rPr lang="en-US" smtClean="0"/>
-              <a:t>21-Feb-18</a:t>
+              <a:t>24-Apr-18</a:t>
             </a:fld>
             <a:endParaRPr lang="en-US"/>
           </a:p>
@@ -3313,7 +3315,7 @@
           <a:p>
             <a:fld id="{FFB95398-ADFB-436B-A39F-66DA4A0BB746}" type="datetimeFigureOut">
               <a:rPr lang="en-US" smtClean="0"/>
-              <a:t>21-Feb-18</a:t>
+              <a:t>24-Apr-18</a:t>
             </a:fld>
             <a:endParaRPr lang="en-US"/>
           </a:p>
@@ -3551,7 +3553,7 @@
           <a:p>
             <a:fld id="{FFB95398-ADFB-436B-A39F-66DA4A0BB746}" type="datetimeFigureOut">
               <a:rPr lang="en-US" smtClean="0"/>
-              <a:t>21-Feb-18</a:t>
+              <a:t>24-Apr-18</a:t>
             </a:fld>
             <a:endParaRPr lang="en-US"/>
           </a:p>
@@ -3751,7 +3753,7 @@
           <a:p>
             <a:fld id="{FFB95398-ADFB-436B-A39F-66DA4A0BB746}" type="datetimeFigureOut">
               <a:rPr lang="en-US" smtClean="0"/>
-              <a:t>21-Feb-18</a:t>
+              <a:t>24-Apr-18</a:t>
             </a:fld>
             <a:endParaRPr lang="en-US"/>
           </a:p>
@@ -4027,7 +4029,7 @@
           <a:p>
             <a:fld id="{FFB95398-ADFB-436B-A39F-66DA4A0BB746}" type="datetimeFigureOut">
               <a:rPr lang="en-US" smtClean="0"/>
-              <a:t>21-Feb-18</a:t>
+              <a:t>24-Apr-18</a:t>
             </a:fld>
             <a:endParaRPr lang="en-US"/>
           </a:p>
@@ -4293,7 +4295,7 @@
           <a:p>
             <a:fld id="{FFB95398-ADFB-436B-A39F-66DA4A0BB746}" type="datetimeFigureOut">
               <a:rPr lang="en-US" smtClean="0"/>
-              <a:t>21-Feb-18</a:t>
+              <a:t>24-Apr-18</a:t>
             </a:fld>
             <a:endParaRPr lang="en-US"/>
           </a:p>
@@ -4667,7 +4669,7 @@
           <a:p>
             <a:fld id="{FFB95398-ADFB-436B-A39F-66DA4A0BB746}" type="datetimeFigureOut">
               <a:rPr lang="en-US" smtClean="0"/>
-              <a:t>21-Feb-18</a:t>
+              <a:t>24-Apr-18</a:t>
             </a:fld>
             <a:endParaRPr lang="en-US"/>
           </a:p>
@@ -4815,7 +4817,7 @@
           <a:p>
             <a:fld id="{FFB95398-ADFB-436B-A39F-66DA4A0BB746}" type="datetimeFigureOut">
               <a:rPr lang="en-US" smtClean="0"/>
-              <a:t>21-Feb-18</a:t>
+              <a:t>24-Apr-18</a:t>
             </a:fld>
             <a:endParaRPr lang="en-US"/>
           </a:p>
@@ -4940,7 +4942,7 @@
           <a:p>
             <a:fld id="{FFB95398-ADFB-436B-A39F-66DA4A0BB746}" type="datetimeFigureOut">
               <a:rPr lang="en-US" smtClean="0"/>
-              <a:t>21-Feb-18</a:t>
+              <a:t>24-Apr-18</a:t>
             </a:fld>
             <a:endParaRPr lang="en-US"/>
           </a:p>
@@ -5225,7 +5227,7 @@
           <a:p>
             <a:fld id="{FFB95398-ADFB-436B-A39F-66DA4A0BB746}" type="datetimeFigureOut">
               <a:rPr lang="en-US" smtClean="0"/>
-              <a:t>21-Feb-18</a:t>
+              <a:t>24-Apr-18</a:t>
             </a:fld>
             <a:endParaRPr lang="en-US"/>
           </a:p>
@@ -5549,7 +5551,7 @@
           <a:p>
             <a:fld id="{FFB95398-ADFB-436B-A39F-66DA4A0BB746}" type="datetimeFigureOut">
               <a:rPr lang="en-US" smtClean="0"/>
-              <a:t>21-Feb-18</a:t>
+              <a:t>24-Apr-18</a:t>
             </a:fld>
             <a:endParaRPr lang="en-US"/>
           </a:p>
@@ -5763,7 +5765,7 @@
           <a:p>
             <a:fld id="{FFB95398-ADFB-436B-A39F-66DA4A0BB746}" type="datetimeFigureOut">
               <a:rPr lang="en-US" smtClean="0"/>
-              <a:t>21-Feb-18</a:t>
+              <a:t>24-Apr-18</a:t>
             </a:fld>
             <a:endParaRPr lang="en-US"/>
           </a:p>
@@ -6412,57 +6414,93 @@
           <a:chExt cx="0" cy="0"/>
         </a:xfrm>
       </p:grpSpPr>
-      <p:pic>
-        <p:nvPicPr>
-          <p:cNvPr id="4" name="Picture 4" descr="https://lh4.googleusercontent.com/y59awBs8i4qoJfM44Ju7wqDNuJ9m2_qESVb6cthaFz6E75vKHynLvewMoVH3pXHqmW0k_zPCA9HFQOS-D2jG18ueTxOW7FW-feEEtASqBzuefqnKXrnMWzeKNqTrl3IyU52wleBi">
+      <p:sp>
+        <p:nvSpPr>
+          <p:cNvPr id="2" name="Title 1">
             <a:extLst>
               <a:ext uri="{FF2B5EF4-FFF2-40B4-BE49-F238E27FC236}">
-                <a16:creationId xmlns:a16="http://schemas.microsoft.com/office/drawing/2014/main" id="{B732CA61-1473-43B0-96AB-2FFD91F778BB}"/>
+                <a16:creationId xmlns:a16="http://schemas.microsoft.com/office/drawing/2014/main" id="{919164F1-E4A4-466B-AB5A-425ADF518462}"/>
               </a:ext>
             </a:extLst>
           </p:cNvPr>
-          <p:cNvPicPr>
-            <a:picLocks noChangeAspect="1" noChangeArrowheads="1"/>
-          </p:cNvPicPr>
-          <p:nvPr/>
-        </p:nvPicPr>
-        <p:blipFill>
-          <a:blip r:embed="rId2">
+          <p:cNvSpPr>
+            <a:spLocks noGrp="1"/>
+          </p:cNvSpPr>
+          <p:nvPr>
+            <p:ph type="title"/>
+          </p:nvPr>
+        </p:nvSpPr>
+        <p:spPr/>
+        <p:txBody>
+          <a:bodyPr/>
+          <a:lstStyle/>
+          <a:p>
+            <a:r>
+              <a:rPr lang="en-US" dirty="0"/>
+              <a:t>Statistics of unit and system testing</a:t>
+            </a:r>
+          </a:p>
+        </p:txBody>
+      </p:sp>
+      <p:sp>
+        <p:nvSpPr>
+          <p:cNvPr id="3" name="Content Placeholder 2">
             <a:extLst>
-              <a:ext uri="{28A0092B-C50C-407E-A947-70E740481C1C}">
-                <a14:useLocalDpi xmlns:a14="http://schemas.microsoft.com/office/drawing/2010/main" val="0"/>
+              <a:ext uri="{FF2B5EF4-FFF2-40B4-BE49-F238E27FC236}">
+                <a16:creationId xmlns:a16="http://schemas.microsoft.com/office/drawing/2014/main" id="{520B55B4-ED70-47C0-BE08-9916421E45C1}"/>
               </a:ext>
             </a:extLst>
-          </a:blip>
-          <a:srcRect/>
-          <a:stretch>
-            <a:fillRect/>
-          </a:stretch>
-        </p:blipFill>
-        <p:spPr bwMode="auto">
-          <a:xfrm>
-            <a:off x="1942808" y="1119382"/>
-            <a:ext cx="8306383" cy="5292854"/>
-          </a:xfrm>
-          <a:prstGeom prst="rect">
-            <a:avLst/>
-          </a:prstGeom>
-          <a:noFill/>
-          <a:extLst>
-            <a:ext uri="{909E8E84-426E-40DD-AFC4-6F175D3DCCD1}">
-              <a14:hiddenFill xmlns:a14="http://schemas.microsoft.com/office/drawing/2010/main">
-                <a:solidFill>
-                  <a:srgbClr val="FFFFFF"/>
-                </a:solidFill>
-              </a14:hiddenFill>
-            </a:ext>
-          </a:extLst>
-        </p:spPr>
-      </p:pic>
+          </p:cNvPr>
+          <p:cNvSpPr>
+            <a:spLocks noGrp="1"/>
+          </p:cNvSpPr>
+          <p:nvPr>
+            <p:ph idx="1"/>
+          </p:nvPr>
+        </p:nvSpPr>
+        <p:spPr/>
+        <p:txBody>
+          <a:bodyPr/>
+          <a:lstStyle/>
+          <a:p>
+            <a:r>
+              <a:rPr lang="en-US" dirty="0"/>
+              <a:t>Test cases identified using all branches in CFG for functions.</a:t>
+            </a:r>
+          </a:p>
+          <a:p>
+            <a:r>
+              <a:rPr lang="en-US" dirty="0"/>
+              <a:t>System testing done for every functionality.</a:t>
+            </a:r>
+          </a:p>
+          <a:p>
+            <a:r>
+              <a:rPr lang="en-US" dirty="0"/>
+              <a:t>No automated testing tool used.</a:t>
+            </a:r>
+          </a:p>
+          <a:p>
+            <a:endParaRPr lang="en-US" dirty="0"/>
+          </a:p>
+          <a:p>
+            <a:r>
+              <a:rPr lang="en-US" dirty="0"/>
+              <a:t>Most of the errors pointed by the testing team were not found, when code was executed by us.</a:t>
+            </a:r>
+          </a:p>
+          <a:p>
+            <a:r>
+              <a:rPr lang="en-US" dirty="0"/>
+              <a:t>All other errors have been resolved.</a:t>
+            </a:r>
+          </a:p>
+        </p:txBody>
+      </p:sp>
     </p:spTree>
     <p:extLst>
       <p:ext uri="{BB962C8B-B14F-4D97-AF65-F5344CB8AC3E}">
-        <p14:creationId xmlns:p14="http://schemas.microsoft.com/office/powerpoint/2010/main" val="664444338"/>
+        <p14:creationId xmlns:p14="http://schemas.microsoft.com/office/powerpoint/2010/main" val="4242029153"/>
       </p:ext>
     </p:extLst>
   </p:cSld>
@@ -6489,57 +6527,50 @@
           <a:chExt cx="0" cy="0"/>
         </a:xfrm>
       </p:grpSpPr>
-      <p:pic>
-        <p:nvPicPr>
-          <p:cNvPr id="4098" name="Picture 2" descr="https://lh4.googleusercontent.com/uoGEmw7vg2UCeVU9KT91uB8-85G8lKiA832ve-lutjq1HFQnhEqztqlOfeRLZVd5pVSQgMz2nogpSTAq-JaG7M9oKMNqIHjAHZbQAZn8WZAoqj-EfN_wI0NyvDUaXD1_20ivDmIm">
+      <p:sp>
+        <p:nvSpPr>
+          <p:cNvPr id="2" name="Title 1">
             <a:extLst>
               <a:ext uri="{FF2B5EF4-FFF2-40B4-BE49-F238E27FC236}">
-                <a16:creationId xmlns:a16="http://schemas.microsoft.com/office/drawing/2014/main" id="{177EBFD4-EF80-4622-B0CB-17ECBE382157}"/>
+                <a16:creationId xmlns:a16="http://schemas.microsoft.com/office/drawing/2014/main" id="{366A15B9-90D7-4CAD-A30F-47158B5C8330}"/>
               </a:ext>
             </a:extLst>
           </p:cNvPr>
-          <p:cNvPicPr>
-            <a:picLocks noChangeAspect="1" noChangeArrowheads="1"/>
-          </p:cNvPicPr>
-          <p:nvPr/>
-        </p:nvPicPr>
-        <p:blipFill>
-          <a:blip r:embed="rId2">
-            <a:extLst>
-              <a:ext uri="{28A0092B-C50C-407E-A947-70E740481C1C}">
-                <a14:useLocalDpi xmlns:a14="http://schemas.microsoft.com/office/drawing/2010/main" val="0"/>
-              </a:ext>
-            </a:extLst>
-          </a:blip>
-          <a:srcRect/>
-          <a:stretch>
-            <a:fillRect/>
-          </a:stretch>
-        </p:blipFill>
-        <p:spPr bwMode="auto">
+          <p:cNvSpPr>
+            <a:spLocks noGrp="1"/>
+          </p:cNvSpPr>
+          <p:nvPr>
+            <p:ph type="title"/>
+          </p:nvPr>
+        </p:nvSpPr>
+        <p:spPr>
           <a:xfrm>
-            <a:off x="2322739" y="395190"/>
-            <a:ext cx="7546521" cy="6218502"/>
+            <a:off x="1208315" y="2700866"/>
+            <a:ext cx="10131425" cy="1456267"/>
           </a:xfrm>
-          <a:prstGeom prst="rect">
-            <a:avLst/>
-          </a:prstGeom>
-          <a:noFill/>
-          <a:extLst>
-            <a:ext uri="{909E8E84-426E-40DD-AFC4-6F175D3DCCD1}">
-              <a14:hiddenFill xmlns:a14="http://schemas.microsoft.com/office/drawing/2010/main">
-                <a:solidFill>
-                  <a:srgbClr val="FFFFFF"/>
-                </a:solidFill>
-              </a14:hiddenFill>
-            </a:ext>
-          </a:extLst>
         </p:spPr>
-      </p:pic>
+        <p:txBody>
+          <a:bodyPr/>
+          <a:lstStyle/>
+          <a:p>
+            <a:r>
+              <a:rPr lang="en-US" dirty="0"/>
+              <a:t>Project we tested:</a:t>
+            </a:r>
+            <a:br>
+              <a:rPr lang="en-US" dirty="0"/>
+            </a:br>
+            <a:r>
+              <a:rPr lang="en-US" dirty="0"/>
+              <a:t>light pattern simulator</a:t>
+            </a:r>
+          </a:p>
+        </p:txBody>
+      </p:sp>
     </p:spTree>
     <p:extLst>
       <p:ext uri="{BB962C8B-B14F-4D97-AF65-F5344CB8AC3E}">
-        <p14:creationId xmlns:p14="http://schemas.microsoft.com/office/powerpoint/2010/main" val="3519407727"/>
+        <p14:creationId xmlns:p14="http://schemas.microsoft.com/office/powerpoint/2010/main" val="1300721508"/>
       </p:ext>
     </p:extLst>
   </p:cSld>
@@ -6566,57 +6597,82 @@
           <a:chExt cx="0" cy="0"/>
         </a:xfrm>
       </p:grpSpPr>
-      <p:pic>
-        <p:nvPicPr>
-          <p:cNvPr id="6146" name="Picture 2" descr="https://lh4.googleusercontent.com/n2Q4bHh32pDseajEByZwEZN59XPdf_o6Kpw9og03dBdUmtlI9n90ELFG_6oAu2Zrg5SDUiV6CQV0EeBM6VzezLqE3-ofGnG_iUs8czQ6f038KuWHk7g1BhAy4X3YUIlLLg_bYiMl">
+      <p:sp>
+        <p:nvSpPr>
+          <p:cNvPr id="2" name="Title 1">
             <a:extLst>
               <a:ext uri="{FF2B5EF4-FFF2-40B4-BE49-F238E27FC236}">
-                <a16:creationId xmlns:a16="http://schemas.microsoft.com/office/drawing/2014/main" id="{9A00E935-BC52-403E-9A50-16FCBAB1767F}"/>
+                <a16:creationId xmlns:a16="http://schemas.microsoft.com/office/drawing/2014/main" id="{18846C60-9D4A-424D-835F-4E7644AA0823}"/>
               </a:ext>
             </a:extLst>
           </p:cNvPr>
-          <p:cNvPicPr>
-            <a:picLocks noChangeAspect="1" noChangeArrowheads="1"/>
-          </p:cNvPicPr>
-          <p:nvPr/>
-        </p:nvPicPr>
-        <p:blipFill>
-          <a:blip r:embed="rId2">
+          <p:cNvSpPr>
+            <a:spLocks noGrp="1"/>
+          </p:cNvSpPr>
+          <p:nvPr>
+            <p:ph type="title"/>
+          </p:nvPr>
+        </p:nvSpPr>
+        <p:spPr/>
+        <p:txBody>
+          <a:bodyPr/>
+          <a:lstStyle/>
+          <a:p>
+            <a:r>
+              <a:rPr lang="en-US" dirty="0"/>
+              <a:t>List of Use cases tested</a:t>
+            </a:r>
+          </a:p>
+        </p:txBody>
+      </p:sp>
+      <p:sp>
+        <p:nvSpPr>
+          <p:cNvPr id="3" name="Content Placeholder 2">
             <a:extLst>
-              <a:ext uri="{28A0092B-C50C-407E-A947-70E740481C1C}">
-                <a14:useLocalDpi xmlns:a14="http://schemas.microsoft.com/office/drawing/2010/main" val="0"/>
+              <a:ext uri="{FF2B5EF4-FFF2-40B4-BE49-F238E27FC236}">
+                <a16:creationId xmlns:a16="http://schemas.microsoft.com/office/drawing/2014/main" id="{2530DA93-B949-4E45-8190-DA21DEF6308F}"/>
               </a:ext>
             </a:extLst>
-          </a:blip>
-          <a:srcRect/>
-          <a:stretch>
-            <a:fillRect/>
-          </a:stretch>
-        </p:blipFill>
-        <p:spPr bwMode="auto">
-          <a:xfrm>
-            <a:off x="1962539" y="339638"/>
-            <a:ext cx="8266921" cy="6518362"/>
-          </a:xfrm>
-          <a:prstGeom prst="rect">
-            <a:avLst/>
-          </a:prstGeom>
-          <a:noFill/>
-          <a:extLst>
-            <a:ext uri="{909E8E84-426E-40DD-AFC4-6F175D3DCCD1}">
-              <a14:hiddenFill xmlns:a14="http://schemas.microsoft.com/office/drawing/2010/main">
-                <a:solidFill>
-                  <a:srgbClr val="FFFFFF"/>
-                </a:solidFill>
-              </a14:hiddenFill>
-            </a:ext>
-          </a:extLst>
-        </p:spPr>
-      </p:pic>
+          </p:cNvPr>
+          <p:cNvSpPr>
+            <a:spLocks noGrp="1"/>
+          </p:cNvSpPr>
+          <p:nvPr>
+            <p:ph idx="1"/>
+          </p:nvPr>
+        </p:nvSpPr>
+        <p:spPr/>
+        <p:txBody>
+          <a:bodyPr/>
+          <a:lstStyle/>
+          <a:p>
+            <a:r>
+              <a:rPr lang="en-US" dirty="0"/>
+              <a:t>Log in</a:t>
+            </a:r>
+          </a:p>
+          <a:p>
+            <a:r>
+              <a:rPr lang="en-US" cap="small" dirty="0"/>
+              <a:t>Display and confirm final design</a:t>
+            </a:r>
+            <a:endParaRPr lang="en-US" dirty="0"/>
+          </a:p>
+          <a:p>
+            <a:r>
+              <a:rPr lang="en-US" dirty="0"/>
+              <a:t>View history</a:t>
+            </a:r>
+          </a:p>
+          <a:p>
+            <a:endParaRPr lang="en-US" dirty="0"/>
+          </a:p>
+        </p:txBody>
+      </p:sp>
     </p:spTree>
     <p:extLst>
       <p:ext uri="{BB962C8B-B14F-4D97-AF65-F5344CB8AC3E}">
-        <p14:creationId xmlns:p14="http://schemas.microsoft.com/office/powerpoint/2010/main" val="3192030361"/>
+        <p14:creationId xmlns:p14="http://schemas.microsoft.com/office/powerpoint/2010/main" val="1867624956"/>
       </p:ext>
     </p:extLst>
   </p:cSld>
@@ -6627,6 +6683,228 @@
 </file>
 
 <file path=ppt/slides/slide13.xml><?xml version="1.0" encoding="utf-8"?>
+<p:sld xmlns:a="http://schemas.openxmlformats.org/drawingml/2006/main" xmlns:r="http://schemas.openxmlformats.org/officeDocument/2006/relationships" xmlns:p="http://schemas.openxmlformats.org/presentationml/2006/main">
+  <p:cSld>
+    <p:spTree>
+      <p:nvGrpSpPr>
+        <p:cNvPr id="1" name=""/>
+        <p:cNvGrpSpPr/>
+        <p:nvPr/>
+      </p:nvGrpSpPr>
+      <p:grpSpPr>
+        <a:xfrm>
+          <a:off x="0" y="0"/>
+          <a:ext cx="0" cy="0"/>
+          <a:chOff x="0" y="0"/>
+          <a:chExt cx="0" cy="0"/>
+        </a:xfrm>
+      </p:grpSpPr>
+      <p:sp>
+        <p:nvSpPr>
+          <p:cNvPr id="2" name="Title 1">
+            <a:extLst>
+              <a:ext uri="{FF2B5EF4-FFF2-40B4-BE49-F238E27FC236}">
+                <a16:creationId xmlns:a16="http://schemas.microsoft.com/office/drawing/2014/main" id="{DE9D889C-35FF-46F0-AE1E-C857140BBD79}"/>
+              </a:ext>
+            </a:extLst>
+          </p:cNvPr>
+          <p:cNvSpPr>
+            <a:spLocks noGrp="1"/>
+          </p:cNvSpPr>
+          <p:nvPr>
+            <p:ph type="title"/>
+          </p:nvPr>
+        </p:nvSpPr>
+        <p:spPr/>
+        <p:txBody>
+          <a:bodyPr/>
+          <a:lstStyle/>
+          <a:p>
+            <a:r>
+              <a:rPr lang="en-US" dirty="0"/>
+              <a:t>Statistics of the test cases</a:t>
+            </a:r>
+          </a:p>
+        </p:txBody>
+      </p:sp>
+      <p:sp>
+        <p:nvSpPr>
+          <p:cNvPr id="3" name="Content Placeholder 2">
+            <a:extLst>
+              <a:ext uri="{FF2B5EF4-FFF2-40B4-BE49-F238E27FC236}">
+                <a16:creationId xmlns:a16="http://schemas.microsoft.com/office/drawing/2014/main" id="{5CC962D4-7A02-4E60-BE91-0B497C8132BA}"/>
+              </a:ext>
+            </a:extLst>
+          </p:cNvPr>
+          <p:cNvSpPr>
+            <a:spLocks noGrp="1"/>
+          </p:cNvSpPr>
+          <p:nvPr>
+            <p:ph idx="1"/>
+          </p:nvPr>
+        </p:nvSpPr>
+        <p:spPr/>
+        <p:txBody>
+          <a:bodyPr/>
+          <a:lstStyle/>
+          <a:p>
+            <a:r>
+              <a:rPr lang="en-US" dirty="0"/>
+              <a:t>Functionalities tested : 3/3</a:t>
+            </a:r>
+          </a:p>
+          <a:p>
+            <a:r>
+              <a:rPr lang="en-US" dirty="0"/>
+              <a:t>All 3 functionalities showed failure with some or the other input.</a:t>
+            </a:r>
+          </a:p>
+          <a:p>
+            <a:r>
+              <a:rPr lang="en-US" dirty="0"/>
+              <a:t>History of a user with multiple designs confirmed was incorrect.</a:t>
+            </a:r>
+          </a:p>
+          <a:p>
+            <a:r>
+              <a:rPr lang="en-US" dirty="0"/>
+              <a:t>Program exits after viewing customer history.</a:t>
+            </a:r>
+          </a:p>
+          <a:p>
+            <a:r>
+              <a:rPr lang="en-US" dirty="0"/>
+              <a:t>No option to edit admin details or customer details.</a:t>
+            </a:r>
+          </a:p>
+          <a:p>
+            <a:r>
+              <a:rPr lang="en-US" dirty="0"/>
+              <a:t>No login for customer, he/she may wish to view his history.</a:t>
+            </a:r>
+          </a:p>
+          <a:p>
+            <a:pPr lvl="0"/>
+            <a:r>
+              <a:rPr lang="en-US" dirty="0"/>
+              <a:t>On entering invalid contact number (or any invalid data), program asks for a valid contact number (or the valid data) for infinite times.</a:t>
+            </a:r>
+          </a:p>
+          <a:p>
+            <a:pPr lvl="0"/>
+            <a:r>
+              <a:rPr lang="en-US" dirty="0"/>
+              <a:t>No option to add more designs.</a:t>
+            </a:r>
+          </a:p>
+        </p:txBody>
+      </p:sp>
+    </p:spTree>
+    <p:extLst>
+      <p:ext uri="{BB962C8B-B14F-4D97-AF65-F5344CB8AC3E}">
+        <p14:creationId xmlns:p14="http://schemas.microsoft.com/office/powerpoint/2010/main" val="4265029415"/>
+      </p:ext>
+    </p:extLst>
+  </p:cSld>
+  <p:clrMapOvr>
+    <a:masterClrMapping/>
+  </p:clrMapOvr>
+</p:sld>
+</file>
+
+<file path=ppt/slides/slide14.xml><?xml version="1.0" encoding="utf-8"?>
+<p:sld xmlns:a="http://schemas.openxmlformats.org/drawingml/2006/main" xmlns:r="http://schemas.openxmlformats.org/officeDocument/2006/relationships" xmlns:p="http://schemas.openxmlformats.org/presentationml/2006/main">
+  <p:cSld>
+    <p:spTree>
+      <p:nvGrpSpPr>
+        <p:cNvPr id="1" name=""/>
+        <p:cNvGrpSpPr/>
+        <p:nvPr/>
+      </p:nvGrpSpPr>
+      <p:grpSpPr>
+        <a:xfrm>
+          <a:off x="0" y="0"/>
+          <a:ext cx="0" cy="0"/>
+          <a:chOff x="0" y="0"/>
+          <a:chExt cx="0" cy="0"/>
+        </a:xfrm>
+      </p:grpSpPr>
+      <p:sp>
+        <p:nvSpPr>
+          <p:cNvPr id="4" name="Title 3">
+            <a:extLst>
+              <a:ext uri="{FF2B5EF4-FFF2-40B4-BE49-F238E27FC236}">
+                <a16:creationId xmlns:a16="http://schemas.microsoft.com/office/drawing/2014/main" id="{464D1E0C-82FF-4A15-A6C2-90C51F081CE7}"/>
+              </a:ext>
+            </a:extLst>
+          </p:cNvPr>
+          <p:cNvSpPr>
+            <a:spLocks noGrp="1"/>
+          </p:cNvSpPr>
+          <p:nvPr>
+            <p:ph type="title"/>
+          </p:nvPr>
+        </p:nvSpPr>
+        <p:spPr/>
+        <p:txBody>
+          <a:bodyPr/>
+          <a:lstStyle/>
+          <a:p>
+            <a:r>
+              <a:rPr lang="en-US" dirty="0"/>
+              <a:t>conclusion</a:t>
+            </a:r>
+          </a:p>
+        </p:txBody>
+      </p:sp>
+      <p:sp>
+        <p:nvSpPr>
+          <p:cNvPr id="5" name="Content Placeholder 4">
+            <a:extLst>
+              <a:ext uri="{FF2B5EF4-FFF2-40B4-BE49-F238E27FC236}">
+                <a16:creationId xmlns:a16="http://schemas.microsoft.com/office/drawing/2014/main" id="{8D49504D-BC88-4752-8F76-90DD8D161FD0}"/>
+              </a:ext>
+            </a:extLst>
+          </p:cNvPr>
+          <p:cNvSpPr>
+            <a:spLocks noGrp="1"/>
+          </p:cNvSpPr>
+          <p:nvPr>
+            <p:ph idx="1"/>
+          </p:nvPr>
+        </p:nvSpPr>
+        <p:spPr/>
+        <p:txBody>
+          <a:bodyPr/>
+          <a:lstStyle/>
+          <a:p>
+            <a:r>
+              <a:rPr lang="en-US" dirty="0"/>
+              <a:t>The project was implemented successfully.</a:t>
+            </a:r>
+          </a:p>
+          <a:p>
+            <a:r>
+              <a:rPr lang="en-US" dirty="0"/>
+              <a:t>The project is sufficient for any library or book bank.</a:t>
+            </a:r>
+          </a:p>
+        </p:txBody>
+      </p:sp>
+    </p:spTree>
+    <p:extLst>
+      <p:ext uri="{BB962C8B-B14F-4D97-AF65-F5344CB8AC3E}">
+        <p14:creationId xmlns:p14="http://schemas.microsoft.com/office/powerpoint/2010/main" val="2557128325"/>
+      </p:ext>
+    </p:extLst>
+  </p:cSld>
+  <p:clrMapOvr>
+    <a:masterClrMapping/>
+  </p:clrMapOvr>
+</p:sld>
+</file>
+
+<file path=ppt/slides/slide15.xml><?xml version="1.0" encoding="utf-8"?>
 <p:sld xmlns:a="http://schemas.openxmlformats.org/drawingml/2006/main" xmlns:r="http://schemas.openxmlformats.org/officeDocument/2006/relationships" xmlns:p="http://schemas.openxmlformats.org/presentationml/2006/main">
   <p:cSld>
     <p:spTree>
@@ -6881,12 +7159,6 @@
               <a:t>Each member cannot issue multiple copies of a resource at a time.</a:t>
             </a:r>
           </a:p>
-          <a:p>
-            <a:r>
-              <a:rPr lang="en-US" sz="2400" dirty="0"/>
-              <a:t>Software is running 24/7.</a:t>
-            </a:r>
-          </a:p>
         </p:txBody>
       </p:sp>
     </p:spTree>
@@ -7063,7 +7335,7 @@
           <p:cNvPr id="2" name="Title 1">
             <a:extLst>
               <a:ext uri="{FF2B5EF4-FFF2-40B4-BE49-F238E27FC236}">
-                <a16:creationId xmlns:a16="http://schemas.microsoft.com/office/drawing/2014/main" id="{E978ED21-9911-4B06-AF2A-23771F82EE0E}"/>
+                <a16:creationId xmlns:a16="http://schemas.microsoft.com/office/drawing/2014/main" id="{36016770-117F-47C1-A090-FD8CD30369A6}"/>
               </a:ext>
             </a:extLst>
           </p:cNvPr>
@@ -7081,7 +7353,7 @@
           <a:p>
             <a:r>
               <a:rPr lang="en-US" dirty="0"/>
-              <a:t>Use cases</a:t>
+              <a:t>Key features of the project</a:t>
             </a:r>
           </a:p>
         </p:txBody>
@@ -7091,7 +7363,7 @@
           <p:cNvPr id="3" name="Content Placeholder 2">
             <a:extLst>
               <a:ext uri="{FF2B5EF4-FFF2-40B4-BE49-F238E27FC236}">
-                <a16:creationId xmlns:a16="http://schemas.microsoft.com/office/drawing/2014/main" id="{276AC2F9-0726-4C0E-B1DE-9C12116691A4}"/>
+                <a16:creationId xmlns:a16="http://schemas.microsoft.com/office/drawing/2014/main" id="{E8E91232-4DD3-412C-B3EE-CA4358F4A710}"/>
               </a:ext>
             </a:extLst>
           </p:cNvPr>
@@ -7104,59 +7376,50 @@
         </p:nvSpPr>
         <p:spPr/>
         <p:txBody>
-          <a:bodyPr>
-            <a:normAutofit/>
-          </a:bodyPr>
-          <a:lstStyle/>
-          <a:p>
-            <a:r>
-              <a:rPr lang="en-IN" sz="2000" dirty="0"/>
-              <a:t>View Profile : Any member can view his/her own profile. (edit profile/ see your history)</a:t>
-            </a:r>
-          </a:p>
-          <a:p>
-            <a:r>
-              <a:rPr lang="en-IN" sz="2000" dirty="0"/>
-              <a:t>Search : Any member can search the library for books/journals.</a:t>
-            </a:r>
-          </a:p>
-          <a:p>
-            <a:r>
-              <a:rPr lang="en-IN" sz="2000" dirty="0"/>
-              <a:t>Issue Resource : A Librarian can issue resource to user.</a:t>
-            </a:r>
-          </a:p>
-          <a:p>
-            <a:r>
-              <a:rPr lang="en-IN" sz="2000" dirty="0"/>
-              <a:t>Validity : This use case includes check limit and check availability of resource for issuing resource. (check limit, check availability)</a:t>
-            </a:r>
-          </a:p>
-          <a:p>
-            <a:r>
-              <a:rPr lang="en-IN" sz="2000" dirty="0"/>
-              <a:t>Add User : A librarian can add user to the system.</a:t>
-            </a:r>
-          </a:p>
-          <a:p>
-            <a:r>
-              <a:rPr lang="en-IN" sz="2000" dirty="0"/>
-              <a:t>Add Resource : A librarian can add resource to the system.</a:t>
-            </a:r>
-          </a:p>
-          <a:p>
-            <a:r>
-              <a:rPr lang="en-IN" sz="2000" dirty="0"/>
-              <a:t>Get list of fine : The librarian can get list of all users who have fine to pay.</a:t>
-            </a:r>
-            <a:endParaRPr lang="en-US" sz="2000" dirty="0"/>
+          <a:bodyPr/>
+          <a:lstStyle/>
+          <a:p>
+            <a:r>
+              <a:rPr lang="en-US" dirty="0"/>
+              <a:t>Register Members (Staff, Faculty, PhD students, Non-PhD students).</a:t>
+            </a:r>
+          </a:p>
+          <a:p>
+            <a:r>
+              <a:rPr lang="en-US" dirty="0"/>
+              <a:t>Issue, Return and Renew resources (books and journals).</a:t>
+            </a:r>
+          </a:p>
+          <a:p>
+            <a:r>
+              <a:rPr lang="en-US" dirty="0"/>
+              <a:t>Search catalogue of resources and members.</a:t>
+            </a:r>
+          </a:p>
+          <a:p>
+            <a:r>
+              <a:rPr lang="en-US" dirty="0"/>
+              <a:t>Maintains a history for both users and resources.</a:t>
+            </a:r>
+          </a:p>
+          <a:p>
+            <a:r>
+              <a:rPr lang="en-US" dirty="0"/>
+              <a:t>Non-PhD students can’t renew and issue journals.</a:t>
+            </a:r>
+          </a:p>
+          <a:p>
+            <a:r>
+              <a:rPr lang="en-US" dirty="0"/>
+              <a:t>Almost 5000 lines of code.</a:t>
+            </a:r>
           </a:p>
         </p:txBody>
       </p:sp>
     </p:spTree>
     <p:extLst>
       <p:ext uri="{BB962C8B-B14F-4D97-AF65-F5344CB8AC3E}">
-        <p14:creationId xmlns:p14="http://schemas.microsoft.com/office/powerpoint/2010/main" val="558989264"/>
+        <p14:creationId xmlns:p14="http://schemas.microsoft.com/office/powerpoint/2010/main" val="869369112"/>
       </p:ext>
     </p:extLst>
   </p:cSld>
@@ -7185,10 +7448,38 @@
       </p:grpSpPr>
       <p:sp>
         <p:nvSpPr>
+          <p:cNvPr id="2" name="Title 1">
+            <a:extLst>
+              <a:ext uri="{FF2B5EF4-FFF2-40B4-BE49-F238E27FC236}">
+                <a16:creationId xmlns:a16="http://schemas.microsoft.com/office/drawing/2014/main" id="{E978ED21-9911-4B06-AF2A-23771F82EE0E}"/>
+              </a:ext>
+            </a:extLst>
+          </p:cNvPr>
+          <p:cNvSpPr>
+            <a:spLocks noGrp="1"/>
+          </p:cNvSpPr>
+          <p:nvPr>
+            <p:ph type="title"/>
+          </p:nvPr>
+        </p:nvSpPr>
+        <p:spPr/>
+        <p:txBody>
+          <a:bodyPr/>
+          <a:lstStyle/>
+          <a:p>
+            <a:r>
+              <a:rPr lang="en-US" dirty="0"/>
+              <a:t>Use cases</a:t>
+            </a:r>
+          </a:p>
+        </p:txBody>
+      </p:sp>
+      <p:sp>
+        <p:nvSpPr>
           <p:cNvPr id="3" name="Content Placeholder 2">
             <a:extLst>
               <a:ext uri="{FF2B5EF4-FFF2-40B4-BE49-F238E27FC236}">
-                <a16:creationId xmlns:a16="http://schemas.microsoft.com/office/drawing/2014/main" id="{3BC93E5C-4211-4CE9-89B0-AE7A4761FFAD}"/>
+                <a16:creationId xmlns:a16="http://schemas.microsoft.com/office/drawing/2014/main" id="{276AC2F9-0726-4C0E-B1DE-9C12116691A4}"/>
               </a:ext>
             </a:extLst>
           </p:cNvPr>
@@ -7202,58 +7493,58 @@
         <p:spPr/>
         <p:txBody>
           <a:bodyPr>
-            <a:normAutofit lnSpcReduction="10000"/>
+            <a:normAutofit/>
           </a:bodyPr>
           <a:lstStyle/>
           <a:p>
             <a:r>
-              <a:rPr lang="en-IN" sz="2400" dirty="0"/>
-              <a:t>Update Record : The librarian can update the record of resource.</a:t>
-            </a:r>
-          </a:p>
-          <a:p>
-            <a:r>
-              <a:rPr lang="en-IN" sz="2400" dirty="0"/>
-              <a:t>Order Book : A librarian can order any number of Resources.</a:t>
-            </a:r>
-          </a:p>
-          <a:p>
-            <a:r>
-              <a:rPr lang="en-IN" sz="2400" dirty="0"/>
-              <a:t>Clear Dues : User can clear his/her dues.</a:t>
-            </a:r>
-          </a:p>
-          <a:p>
-            <a:r>
-              <a:rPr lang="en-IN" sz="2400" dirty="0"/>
-              <a:t>Issue Journal : Any PhD student or faculty member can issue journal.</a:t>
-            </a:r>
-          </a:p>
-          <a:p>
-            <a:r>
-              <a:rPr lang="en-IN" sz="2400" dirty="0"/>
-              <a:t>Issue Book : any member can issue book.</a:t>
-            </a:r>
-          </a:p>
-          <a:p>
-            <a:r>
-              <a:rPr lang="en-IN" sz="2400" dirty="0"/>
-              <a:t>Return resource : Members have to return the resource issued.</a:t>
-            </a:r>
-          </a:p>
-          <a:p>
-            <a:r>
-              <a:rPr lang="en-IN" sz="2400" dirty="0"/>
-              <a:t>Renew resource : A PhD student or Faculty member can renew the resource issued by them.</a:t>
-            </a:r>
-            <a:endParaRPr lang="en-US" sz="2400" dirty="0"/>
+              <a:rPr lang="en-IN" sz="2000" dirty="0"/>
+              <a:t>View Profile : Any member can view his/her own profile. (edit profile/ see your history)</a:t>
+            </a:r>
+          </a:p>
+          <a:p>
+            <a:r>
+              <a:rPr lang="en-IN" sz="2000" dirty="0"/>
+              <a:t>Search : Any member can search the library for books/journals.</a:t>
+            </a:r>
+          </a:p>
+          <a:p>
+            <a:r>
+              <a:rPr lang="en-IN" sz="2000" dirty="0"/>
+              <a:t>Issue Resource : A Librarian can issue resource to user.</a:t>
+            </a:r>
+          </a:p>
+          <a:p>
+            <a:r>
+              <a:rPr lang="en-IN" sz="2000" dirty="0"/>
+              <a:t>Validity : This use case includes check limit and check availability of resource for issuing resource. (check limit, check availability)</a:t>
+            </a:r>
+          </a:p>
+          <a:p>
+            <a:r>
+              <a:rPr lang="en-IN" sz="2000" dirty="0"/>
+              <a:t>Add User : A librarian can add user to the system.</a:t>
+            </a:r>
+          </a:p>
+          <a:p>
+            <a:r>
+              <a:rPr lang="en-IN" sz="2000" dirty="0"/>
+              <a:t>Add Resource : A librarian can add resource to the system.</a:t>
+            </a:r>
+          </a:p>
+          <a:p>
+            <a:r>
+              <a:rPr lang="en-IN" sz="2000" dirty="0"/>
+              <a:t>Get list of fine : The librarian can get list of all users who have fine to pay.</a:t>
+            </a:r>
+            <a:endParaRPr lang="en-US" sz="2000" dirty="0"/>
           </a:p>
         </p:txBody>
       </p:sp>
     </p:spTree>
     <p:extLst>
       <p:ext uri="{BB962C8B-B14F-4D97-AF65-F5344CB8AC3E}">
-        <p14:creationId xmlns:p14="http://schemas.microsoft.com/office/powerpoint/2010/main" val="2705903822"/>
+        <p14:creationId xmlns:p14="http://schemas.microsoft.com/office/powerpoint/2010/main" val="558989264"/>
       </p:ext>
     </p:extLst>
   </p:cSld>
@@ -7282,10 +7573,10 @@
       </p:grpSpPr>
       <p:sp>
         <p:nvSpPr>
-          <p:cNvPr id="2" name="Title 1">
+          <p:cNvPr id="3" name="Content Placeholder 2">
             <a:extLst>
               <a:ext uri="{FF2B5EF4-FFF2-40B4-BE49-F238E27FC236}">
-                <a16:creationId xmlns:a16="http://schemas.microsoft.com/office/drawing/2014/main" id="{5D2F34B3-8425-4450-A734-F25FF2B0DC7B}"/>
+                <a16:creationId xmlns:a16="http://schemas.microsoft.com/office/drawing/2014/main" id="{3BC93E5C-4211-4CE9-89B0-AE7A4761FFAD}"/>
               </a:ext>
             </a:extLst>
           </p:cNvPr>
@@ -7293,77 +7584,64 @@
             <a:spLocks noGrp="1"/>
           </p:cNvSpPr>
           <p:nvPr>
-            <p:ph type="title"/>
-          </p:nvPr>
-        </p:nvSpPr>
-        <p:spPr>
-          <a:xfrm>
-            <a:off x="1030286" y="208384"/>
-            <a:ext cx="10131425" cy="650033"/>
-          </a:xfrm>
-        </p:spPr>
-        <p:txBody>
-          <a:bodyPr/>
-          <a:lstStyle/>
-          <a:p>
-            <a:r>
-              <a:rPr lang="en-US" dirty="0"/>
-              <a:t>Use case diagram</a:t>
-            </a:r>
-          </a:p>
-        </p:txBody>
-      </p:sp>
-      <p:pic>
-        <p:nvPicPr>
-          <p:cNvPr id="1026" name="Picture 2" descr="https://lh6.googleusercontent.com/VpVKQ_QY2oapdLSSTYiuiN-roYAy7nA3eeTJSVRypSBMXR5ecZ0_y0buo6QSVCGXZqBSUgEJkpZ5GhZNVfZYBmJIhAwJzK_OH0Ai7wAer46YMGbNKpRJ1U2uHdHnZDTPqt-A0WzA">
-            <a:extLst>
-              <a:ext uri="{FF2B5EF4-FFF2-40B4-BE49-F238E27FC236}">
-                <a16:creationId xmlns:a16="http://schemas.microsoft.com/office/drawing/2014/main" id="{0A660E1C-E995-432C-95C4-6AB495102B32}"/>
-              </a:ext>
-            </a:extLst>
-          </p:cNvPr>
-          <p:cNvPicPr>
-            <a:picLocks noChangeAspect="1" noChangeArrowheads="1"/>
-          </p:cNvPicPr>
-          <p:nvPr/>
-        </p:nvPicPr>
-        <p:blipFill>
-          <a:blip r:embed="rId2">
-            <a:extLst>
-              <a:ext uri="{28A0092B-C50C-407E-A947-70E740481C1C}">
-                <a14:useLocalDpi xmlns:a14="http://schemas.microsoft.com/office/drawing/2010/main" val="0"/>
-              </a:ext>
-            </a:extLst>
-          </a:blip>
-          <a:srcRect/>
-          <a:stretch>
-            <a:fillRect/>
-          </a:stretch>
-        </p:blipFill>
-        <p:spPr bwMode="auto">
-          <a:xfrm>
-            <a:off x="1339267" y="766913"/>
-            <a:ext cx="9513462" cy="6091087"/>
-          </a:xfrm>
-          <a:prstGeom prst="rect">
-            <a:avLst/>
-          </a:prstGeom>
-          <a:noFill/>
-          <a:extLst>
-            <a:ext uri="{909E8E84-426E-40DD-AFC4-6F175D3DCCD1}">
-              <a14:hiddenFill xmlns:a14="http://schemas.microsoft.com/office/drawing/2010/main">
-                <a:solidFill>
-                  <a:srgbClr val="FFFFFF"/>
-                </a:solidFill>
-              </a14:hiddenFill>
-            </a:ext>
-          </a:extLst>
-        </p:spPr>
-      </p:pic>
+            <p:ph idx="1"/>
+          </p:nvPr>
+        </p:nvSpPr>
+        <p:spPr/>
+        <p:txBody>
+          <a:bodyPr>
+            <a:normAutofit lnSpcReduction="10000"/>
+          </a:bodyPr>
+          <a:lstStyle/>
+          <a:p>
+            <a:r>
+              <a:rPr lang="en-IN" sz="2400" dirty="0"/>
+              <a:t>Update Record : The librarian can update the record of resource.</a:t>
+            </a:r>
+          </a:p>
+          <a:p>
+            <a:r>
+              <a:rPr lang="en-IN" sz="2400" dirty="0"/>
+              <a:t>Order Book : A librarian can order any number of Resources.</a:t>
+            </a:r>
+          </a:p>
+          <a:p>
+            <a:r>
+              <a:rPr lang="en-IN" sz="2400" dirty="0"/>
+              <a:t>Clear Dues : User can clear his/her dues.</a:t>
+            </a:r>
+          </a:p>
+          <a:p>
+            <a:r>
+              <a:rPr lang="en-IN" sz="2400" dirty="0"/>
+              <a:t>Issue Journal : Any PhD student or faculty member can issue journal.</a:t>
+            </a:r>
+          </a:p>
+          <a:p>
+            <a:r>
+              <a:rPr lang="en-IN" sz="2400" dirty="0"/>
+              <a:t>Issue Book : any member can issue book.</a:t>
+            </a:r>
+          </a:p>
+          <a:p>
+            <a:r>
+              <a:rPr lang="en-IN" sz="2400" dirty="0"/>
+              <a:t>Return resource : Members have to return the resource issued.</a:t>
+            </a:r>
+          </a:p>
+          <a:p>
+            <a:r>
+              <a:rPr lang="en-IN" sz="2400" dirty="0"/>
+              <a:t>Renew resource : A PhD student or Faculty member can renew the resource issued by them.</a:t>
+            </a:r>
+            <a:endParaRPr lang="en-US" sz="2400" dirty="0"/>
+          </a:p>
+        </p:txBody>
+      </p:sp>
     </p:spTree>
     <p:extLst>
       <p:ext uri="{BB962C8B-B14F-4D97-AF65-F5344CB8AC3E}">
-        <p14:creationId xmlns:p14="http://schemas.microsoft.com/office/powerpoint/2010/main" val="1935779872"/>
+        <p14:creationId xmlns:p14="http://schemas.microsoft.com/office/powerpoint/2010/main" val="2705903822"/>
       </p:ext>
     </p:extLst>
   </p:cSld>
@@ -7395,7 +7673,7 @@
           <p:cNvPr id="2" name="Title 1">
             <a:extLst>
               <a:ext uri="{FF2B5EF4-FFF2-40B4-BE49-F238E27FC236}">
-                <a16:creationId xmlns:a16="http://schemas.microsoft.com/office/drawing/2014/main" id="{01B7339A-EB1D-464A-A9B4-411E97350BDA}"/>
+                <a16:creationId xmlns:a16="http://schemas.microsoft.com/office/drawing/2014/main" id="{35AB3C39-ACAE-4EA6-8A3F-892933F5D226}"/>
               </a:ext>
             </a:extLst>
           </p:cNvPr>
@@ -7406,76 +7684,87 @@
             <p:ph type="title"/>
           </p:nvPr>
         </p:nvSpPr>
-        <p:spPr>
-          <a:xfrm>
-            <a:off x="1030287" y="199053"/>
-            <a:ext cx="10131425" cy="706016"/>
-          </a:xfrm>
-        </p:spPr>
-        <p:txBody>
-          <a:bodyPr>
-            <a:normAutofit/>
-          </a:bodyPr>
+        <p:spPr/>
+        <p:txBody>
+          <a:bodyPr/>
           <a:lstStyle/>
           <a:p>
             <a:r>
               <a:rPr lang="en-US" dirty="0"/>
-              <a:t>Class diagram</a:t>
-            </a:r>
-          </a:p>
-        </p:txBody>
-      </p:sp>
-      <p:pic>
-        <p:nvPicPr>
-          <p:cNvPr id="2050" name="Picture 2" descr="https://lh4.googleusercontent.com/1qIcv6gEZFWBrNVRfcDEcgUCKZhDtT0PGNlP9MH2WcupMyjywfh_L9aY9ObBJ-G5GJy9qLqg1sCaOY5Kv5p102HanMsFe85rwp1-qImolXoXDesq6sdCjp-7sPRTqUPmSVwVJGIo">
+              <a:t>Structure of file system</a:t>
+            </a:r>
+          </a:p>
+        </p:txBody>
+      </p:sp>
+      <p:sp>
+        <p:nvSpPr>
+          <p:cNvPr id="3" name="Content Placeholder 2">
             <a:extLst>
               <a:ext uri="{FF2B5EF4-FFF2-40B4-BE49-F238E27FC236}">
-                <a16:creationId xmlns:a16="http://schemas.microsoft.com/office/drawing/2014/main" id="{B247C419-8D38-4807-B539-39546018BDCD}"/>
+                <a16:creationId xmlns:a16="http://schemas.microsoft.com/office/drawing/2014/main" id="{0E0E143B-C674-48D3-A9DF-4EF491689419}"/>
               </a:ext>
             </a:extLst>
           </p:cNvPr>
-          <p:cNvPicPr>
-            <a:picLocks noChangeAspect="1" noChangeArrowheads="1"/>
-          </p:cNvPicPr>
-          <p:nvPr/>
-        </p:nvPicPr>
-        <p:blipFill>
-          <a:blip r:embed="rId2">
-            <a:extLst>
-              <a:ext uri="{28A0092B-C50C-407E-A947-70E740481C1C}">
-                <a14:useLocalDpi xmlns:a14="http://schemas.microsoft.com/office/drawing/2010/main" val="0"/>
-              </a:ext>
-            </a:extLst>
-          </a:blip>
-          <a:srcRect/>
-          <a:stretch>
-            <a:fillRect/>
-          </a:stretch>
-        </p:blipFill>
-        <p:spPr bwMode="auto">
-          <a:xfrm>
-            <a:off x="4375604" y="0"/>
-            <a:ext cx="7371637" cy="6870651"/>
-          </a:xfrm>
-          <a:prstGeom prst="rect">
-            <a:avLst/>
-          </a:prstGeom>
-          <a:noFill/>
-          <a:extLst>
-            <a:ext uri="{909E8E84-426E-40DD-AFC4-6F175D3DCCD1}">
-              <a14:hiddenFill xmlns:a14="http://schemas.microsoft.com/office/drawing/2010/main">
-                <a:solidFill>
-                  <a:srgbClr val="FFFFFF"/>
-                </a:solidFill>
-              </a14:hiddenFill>
-            </a:ext>
-          </a:extLst>
-        </p:spPr>
-      </p:pic>
+          <p:cNvSpPr>
+            <a:spLocks noGrp="1"/>
+          </p:cNvSpPr>
+          <p:nvPr>
+            <p:ph idx="1"/>
+          </p:nvPr>
+        </p:nvSpPr>
+        <p:spPr/>
+        <p:txBody>
+          <a:bodyPr/>
+          <a:lstStyle/>
+          <a:p>
+            <a:r>
+              <a:rPr lang="en-US" dirty="0"/>
+              <a:t>5 .txt files:</a:t>
+            </a:r>
+          </a:p>
+          <a:p>
+            <a:pPr lvl="1"/>
+            <a:r>
+              <a:rPr lang="en-US" dirty="0" err="1"/>
+              <a:t>Phd</a:t>
+            </a:r>
+            <a:endParaRPr lang="en-US" dirty="0"/>
+          </a:p>
+          <a:p>
+            <a:pPr lvl="1"/>
+            <a:r>
+              <a:rPr lang="en-US" dirty="0" err="1"/>
+              <a:t>NonPhd</a:t>
+            </a:r>
+            <a:endParaRPr lang="en-US" dirty="0"/>
+          </a:p>
+          <a:p>
+            <a:pPr lvl="1"/>
+            <a:r>
+              <a:rPr lang="en-US" dirty="0"/>
+              <a:t>Faculty</a:t>
+            </a:r>
+          </a:p>
+          <a:p>
+            <a:pPr lvl="1"/>
+            <a:r>
+              <a:rPr lang="en-US" dirty="0"/>
+              <a:t>Staff</a:t>
+            </a:r>
+          </a:p>
+          <a:p>
+            <a:pPr lvl="1"/>
+            <a:r>
+              <a:rPr lang="en-US" dirty="0"/>
+              <a:t>Resources</a:t>
+            </a:r>
+          </a:p>
+        </p:txBody>
+      </p:sp>
     </p:spTree>
     <p:extLst>
       <p:ext uri="{BB962C8B-B14F-4D97-AF65-F5344CB8AC3E}">
-        <p14:creationId xmlns:p14="http://schemas.microsoft.com/office/powerpoint/2010/main" val="4161798218"/>
+        <p14:creationId xmlns:p14="http://schemas.microsoft.com/office/powerpoint/2010/main" val="1809603012"/>
       </p:ext>
     </p:extLst>
   </p:cSld>
@@ -7507,7 +7796,7 @@
           <p:cNvPr id="2" name="Title 1">
             <a:extLst>
               <a:ext uri="{FF2B5EF4-FFF2-40B4-BE49-F238E27FC236}">
-                <a16:creationId xmlns:a16="http://schemas.microsoft.com/office/drawing/2014/main" id="{DD6F7832-137D-4E43-9781-9DB176AF6FA4}"/>
+                <a16:creationId xmlns:a16="http://schemas.microsoft.com/office/drawing/2014/main" id="{87B946F2-3206-4DB9-9F7E-1DEFA96D1C2C}"/>
               </a:ext>
             </a:extLst>
           </p:cNvPr>
@@ -7518,76 +7807,62 @@
             <p:ph type="title"/>
           </p:nvPr>
         </p:nvSpPr>
-        <p:spPr>
-          <a:xfrm>
-            <a:off x="1030287" y="217716"/>
-            <a:ext cx="10131425" cy="650032"/>
-          </a:xfrm>
-        </p:spPr>
-        <p:txBody>
-          <a:bodyPr>
-            <a:normAutofit/>
-          </a:bodyPr>
+        <p:spPr/>
+        <p:txBody>
+          <a:bodyPr/>
           <a:lstStyle/>
           <a:p>
             <a:r>
               <a:rPr lang="en-US" dirty="0"/>
-              <a:t>Sequence diagram</a:t>
-            </a:r>
-          </a:p>
-        </p:txBody>
-      </p:sp>
-      <p:pic>
-        <p:nvPicPr>
-          <p:cNvPr id="3074" name="Picture 2" descr="https://lh4.googleusercontent.com/3UnO029W9KLBDx_7k7GNJwxqhlgyA3kYJZSZqASJT6vo_jrEIy0SFLUItokTUvRgGMbJLNgNDI5Dnkh7YZv36N7QAk1riAy0qersliCbqQrdp1jdQuWYE-b4XWUnvTcDl9yVVbYT">
+              <a:t>Things that could not be implemented</a:t>
+            </a:r>
+          </a:p>
+        </p:txBody>
+      </p:sp>
+      <p:sp>
+        <p:nvSpPr>
+          <p:cNvPr id="3" name="Content Placeholder 2">
             <a:extLst>
               <a:ext uri="{FF2B5EF4-FFF2-40B4-BE49-F238E27FC236}">
-                <a16:creationId xmlns:a16="http://schemas.microsoft.com/office/drawing/2014/main" id="{DA78FF1E-8DFF-448E-A810-B492CD7038C9}"/>
+                <a16:creationId xmlns:a16="http://schemas.microsoft.com/office/drawing/2014/main" id="{ED4E1A58-3756-4389-BD80-09BC18ED16F8}"/>
               </a:ext>
             </a:extLst>
           </p:cNvPr>
-          <p:cNvPicPr>
-            <a:picLocks noChangeAspect="1" noChangeArrowheads="1"/>
-          </p:cNvPicPr>
-          <p:nvPr/>
-        </p:nvPicPr>
-        <p:blipFill>
-          <a:blip r:embed="rId2">
-            <a:extLst>
-              <a:ext uri="{28A0092B-C50C-407E-A947-70E740481C1C}">
-                <a14:useLocalDpi xmlns:a14="http://schemas.microsoft.com/office/drawing/2010/main" val="0"/>
-              </a:ext>
-            </a:extLst>
-          </a:blip>
-          <a:srcRect/>
-          <a:stretch>
-            <a:fillRect/>
-          </a:stretch>
-        </p:blipFill>
-        <p:spPr bwMode="auto">
-          <a:xfrm>
-            <a:off x="3032449" y="869981"/>
-            <a:ext cx="6074229" cy="5963238"/>
-          </a:xfrm>
-          <a:prstGeom prst="rect">
-            <a:avLst/>
-          </a:prstGeom>
-          <a:noFill/>
-          <a:extLst>
-            <a:ext uri="{909E8E84-426E-40DD-AFC4-6F175D3DCCD1}">
-              <a14:hiddenFill xmlns:a14="http://schemas.microsoft.com/office/drawing/2010/main">
-                <a:solidFill>
-                  <a:srgbClr val="FFFFFF"/>
-                </a:solidFill>
-              </a14:hiddenFill>
-            </a:ext>
-          </a:extLst>
-        </p:spPr>
-      </p:pic>
+          <p:cNvSpPr>
+            <a:spLocks noGrp="1"/>
+          </p:cNvSpPr>
+          <p:nvPr>
+            <p:ph idx="1"/>
+          </p:nvPr>
+        </p:nvSpPr>
+        <p:spPr/>
+        <p:txBody>
+          <a:bodyPr/>
+          <a:lstStyle/>
+          <a:p>
+            <a:r>
+              <a:rPr lang="en-US" dirty="0"/>
+              <a:t>Suggest resource by faculty.</a:t>
+            </a:r>
+          </a:p>
+          <a:p>
+            <a:r>
+              <a:rPr lang="en-US" dirty="0"/>
+              <a:t>Notification for issue date and resource availability.</a:t>
+            </a:r>
+          </a:p>
+          <a:p>
+            <a:r>
+              <a:rPr lang="en-US" dirty="0"/>
+              <a:t>We were unable to break the code in different classes.</a:t>
+            </a:r>
+          </a:p>
+        </p:txBody>
+      </p:sp>
     </p:spTree>
     <p:extLst>
       <p:ext uri="{BB962C8B-B14F-4D97-AF65-F5344CB8AC3E}">
-        <p14:creationId xmlns:p14="http://schemas.microsoft.com/office/powerpoint/2010/main" val="738428590"/>
+        <p14:creationId xmlns:p14="http://schemas.microsoft.com/office/powerpoint/2010/main" val="1700986145"/>
       </p:ext>
     </p:extLst>
   </p:cSld>
